--- a/Sprint-9/Artefatos_Sprint9.pptx
+++ b/Sprint-9/Artefatos_Sprint9.pptx
@@ -12,10 +12,11 @@
     <p:sldId id="264" r:id="rId6"/>
     <p:sldId id="265" r:id="rId7"/>
     <p:sldId id="266" r:id="rId8"/>
-    <p:sldId id="267" r:id="rId9"/>
-    <p:sldId id="258" r:id="rId10"/>
-    <p:sldId id="259" r:id="rId11"/>
-    <p:sldId id="261" r:id="rId12"/>
+    <p:sldId id="268" r:id="rId9"/>
+    <p:sldId id="267" r:id="rId10"/>
+    <p:sldId id="258" r:id="rId11"/>
+    <p:sldId id="259" r:id="rId12"/>
+    <p:sldId id="261" r:id="rId13"/>
   </p:sldIdLst>
   <p:sldSz cx="9144000" cy="5143500" type="screen16x9"/>
   <p:notesSz cx="6858000" cy="9144000"/>
@@ -4727,6 +4728,146 @@
       </p:grpSpPr>
       <p:sp>
         <p:nvSpPr>
+          <p:cNvPr id="83" name="TextShape 1"/>
+          <p:cNvSpPr txBox="1"/>
+          <p:nvPr/>
+        </p:nvSpPr>
+        <p:spPr>
+          <a:xfrm>
+            <a:off x="457200" y="205920"/>
+            <a:ext cx="8229240" cy="857160"/>
+          </a:xfrm>
+          <a:prstGeom prst="rect">
+            <a:avLst/>
+          </a:prstGeom>
+          <a:noFill/>
+          <a:ln>
+            <a:noFill/>
+          </a:ln>
+        </p:spPr>
+        <p:txBody>
+          <a:bodyPr tIns="91440" bIns="91440" anchor="b"/>
+          <a:lstStyle/>
+          <a:p>
+            <a:pPr>
+              <a:lnSpc>
+                <a:spcPct val="100000"/>
+              </a:lnSpc>
+            </a:pPr>
+            <a:r>
+              <a:rPr lang="pt-BR" sz="3600" b="1" strike="noStrike" spc="-1">
+                <a:solidFill>
+                  <a:srgbClr val="FFFFFF"/>
+                </a:solidFill>
+                <a:uFill>
+                  <a:solidFill>
+                    <a:srgbClr val="FFFFFF"/>
+                  </a:solidFill>
+                </a:uFill>
+                <a:latin typeface="Arial"/>
+                <a:ea typeface="Arial"/>
+              </a:rPr>
+              <a:t>Artefato #3: Gráfico Burndown</a:t>
+            </a:r>
+            <a:endParaRPr lang="pt-BR" sz="1400" b="0" strike="noStrike" spc="-1">
+              <a:solidFill>
+                <a:srgbClr val="000000"/>
+              </a:solidFill>
+              <a:uFill>
+                <a:solidFill>
+                  <a:srgbClr val="FFFFFF"/>
+                </a:solidFill>
+              </a:uFill>
+              <a:latin typeface="Arial"/>
+            </a:endParaRPr>
+          </a:p>
+        </p:txBody>
+      </p:sp>
+      <p:pic>
+        <p:nvPicPr>
+          <p:cNvPr id="84" name="Shape 53"/>
+          <p:cNvPicPr/>
+          <p:nvPr/>
+        </p:nvPicPr>
+        <p:blipFill>
+          <a:blip r:embed="rId2">
+            <a:extLst>
+              <a:ext uri="{28A0092B-C50C-407E-A947-70E740481C1C}">
+                <a14:useLocalDpi xmlns:a14="http://schemas.microsoft.com/office/drawing/2010/main" val="0"/>
+              </a:ext>
+            </a:extLst>
+          </a:blip>
+          <a:stretch>
+            <a:fillRect/>
+          </a:stretch>
+        </p:blipFill>
+        <p:spPr>
+          <a:xfrm>
+            <a:off x="341895" y="2047518"/>
+            <a:ext cx="8459850" cy="2114963"/>
+          </a:xfrm>
+          <a:prstGeom prst="rect">
+            <a:avLst/>
+          </a:prstGeom>
+          <a:ln>
+            <a:noFill/>
+          </a:ln>
+        </p:spPr>
+      </p:pic>
+    </p:spTree>
+  </p:cSld>
+  <p:clrMapOvr>
+    <a:masterClrMapping/>
+  </p:clrMapOvr>
+  <p:timing>
+    <p:tnLst>
+      <p:par>
+        <p:cTn id="1" dur="indefinite" restart="never" nodeType="tmRoot">
+          <p:childTnLst>
+            <p:seq>
+              <p:cTn id="2" nodeType="mainSeq"/>
+              <p:prevCondLst>
+                <p:cond evt="onPrev" delay="0">
+                  <p:tgtEl>
+                    <p:sldTgt/>
+                  </p:tgtEl>
+                </p:cond>
+              </p:prevCondLst>
+              <p:nextCondLst>
+                <p:cond evt="onNext" delay="0">
+                  <p:tgtEl>
+                    <p:sldTgt/>
+                  </p:tgtEl>
+                </p:cond>
+              </p:nextCondLst>
+            </p:seq>
+          </p:childTnLst>
+        </p:cTn>
+      </p:par>
+    </p:tnLst>
+  </p:timing>
+</p:sld>
+</file>
+
+<file path=ppt/slides/slide11.xml><?xml version="1.0" encoding="utf-8"?>
+<p:sld xmlns:a="http://schemas.openxmlformats.org/drawingml/2006/main" xmlns:r="http://schemas.openxmlformats.org/officeDocument/2006/relationships" xmlns:p="http://schemas.openxmlformats.org/presentationml/2006/main">
+  <p:cSld>
+    <p:spTree>
+      <p:nvGrpSpPr>
+        <p:cNvPr id="1" name=""/>
+        <p:cNvGrpSpPr/>
+        <p:nvPr/>
+      </p:nvGrpSpPr>
+      <p:grpSpPr>
+        <a:xfrm>
+          <a:off x="0" y="0"/>
+          <a:ext cx="0" cy="0"/>
+          <a:chOff x="0" y="0"/>
+          <a:chExt cx="0" cy="0"/>
+        </a:xfrm>
+      </p:grpSpPr>
+      <p:sp>
+        <p:nvSpPr>
           <p:cNvPr id="87" name="TextShape 1"/>
           <p:cNvSpPr txBox="1"/>
           <p:nvPr/>
@@ -4807,60 +4948,47 @@
           <a:p>
             <a:pPr lvl="0" fontAlgn="base"/>
             <a:r>
-              <a:rPr lang="pt-BR" sz="1600" b="1" dirty="0"/>
+              <a:rPr lang="pt-BR" b="1" dirty="0"/>
               <a:t>O que foi bem </a:t>
             </a:r>
             <a:endParaRPr lang="pt-BR" sz="1600" dirty="0"/>
           </a:p>
           <a:p>
             <a:r>
-              <a:rPr lang="pt-BR" sz="1600" dirty="0"/>
-              <a:t>	Todos os bugs e problemas encontrados no código foram resolvidos, melhorando a legibilidade do código e qualidade do software.</a:t>
+              <a:rPr lang="pt-BR"/>
+              <a:t>	A </a:t>
             </a:r>
-          </a:p>
-          <a:p>
             <a:r>
-              <a:rPr lang="pt-BR" sz="1600" dirty="0"/>
-              <a:t>Diagramas e Documentação atualizados, aumentando a confiabilidade caso seja necessária uma busca futura, como referência.</a:t>
+              <a:rPr lang="pt-BR" dirty="0"/>
+              <a:t>equipe caminhou junto no desenvolvimento da Sprint obtendo uma resolução e ampliação dos testes mais satisfatória.</a:t>
             </a:r>
-          </a:p>
-          <a:p>
-            <a:r>
-              <a:rPr lang="pt-BR" sz="1600" b="1" dirty="0"/>
-              <a:t> </a:t>
-            </a:r>
-            <a:endParaRPr lang="pt-BR" sz="1600" dirty="0"/>
           </a:p>
           <a:p>
             <a:pPr lvl="0" fontAlgn="base"/>
             <a:r>
-              <a:rPr lang="pt-BR" sz="1600" b="1" dirty="0"/>
+              <a:rPr lang="pt-BR" b="1" dirty="0"/>
               <a:t> O que não foi tão bem</a:t>
             </a:r>
             <a:endParaRPr lang="pt-BR" sz="1600" dirty="0"/>
           </a:p>
           <a:p>
             <a:r>
-              <a:rPr lang="pt-BR" sz="1600" dirty="0"/>
-              <a:t>	A equipe teve um pouco de dificuldade com as informações acumuladas que precisavam ser implementadas nos diagramas, que por consequências passadas estavam devidamente atrasados.</a:t>
+              <a:rPr lang="pt-BR" dirty="0"/>
+              <a:t>	A Implementação de uma Nova Funcionalidade que deveria ser feita no Início do Projeto acarretou em Modificações em alguns pacotes.</a:t>
             </a:r>
           </a:p>
           <a:p>
             <a:pPr lvl="0" fontAlgn="base"/>
             <a:r>
-              <a:rPr lang="pt-BR" sz="1600" b="1" dirty="0"/>
+              <a:rPr lang="pt-BR" b="1" dirty="0"/>
               <a:t>Melhoras</a:t>
             </a:r>
             <a:endParaRPr lang="pt-BR" sz="1600" dirty="0"/>
           </a:p>
           <a:p>
             <a:r>
-              <a:rPr lang="pt-BR" sz="1600"/>
-              <a:t>	Continuar </a:t>
-            </a:r>
-            <a:r>
-              <a:rPr lang="pt-BR" sz="1600" dirty="0"/>
-              <a:t>a desenvolver o software junto com a documentação, para que ambos estejam sempre atualizados. Como também buscar a comunicação com o team para possíveis implementações das ideias finais.</a:t>
+              <a:rPr lang="pt-BR" dirty="0"/>
+              <a:t>	A equipe busca a entrega do produto ao cliente de acordo com os requisitos solicitados do mesmo.</a:t>
             </a:r>
           </a:p>
           <a:p>
@@ -6007,8 +6135,8 @@
         </p:blipFill>
         <p:spPr>
           <a:xfrm>
-            <a:off x="1353466" y="1938649"/>
-            <a:ext cx="6390830" cy="2266644"/>
+            <a:off x="1353466" y="2431784"/>
+            <a:ext cx="6390830" cy="1280373"/>
           </a:xfrm>
           <a:prstGeom prst="rect">
             <a:avLst/>
@@ -6235,8 +6363,8 @@
         </p:blipFill>
         <p:spPr>
           <a:xfrm>
-            <a:off x="1353466" y="1979238"/>
-            <a:ext cx="6390830" cy="2185465"/>
+            <a:off x="1353466" y="2524185"/>
+            <a:ext cx="6390830" cy="1095570"/>
           </a:xfrm>
           <a:prstGeom prst="rect">
             <a:avLst/>
@@ -6249,7 +6377,7 @@
     </p:spTree>
     <p:extLst>
       <p:ext uri="{BB962C8B-B14F-4D97-AF65-F5344CB8AC3E}">
-        <p14:creationId xmlns:p14="http://schemas.microsoft.com/office/powerpoint/2010/main" val="330041609"/>
+        <p14:creationId xmlns:p14="http://schemas.microsoft.com/office/powerpoint/2010/main" val="1113771927"/>
       </p:ext>
     </p:extLst>
   </p:cSld>
@@ -6305,7 +6433,7 @@
       </p:grpSpPr>
       <p:sp>
         <p:nvSpPr>
-          <p:cNvPr id="81" name="TextShape 1"/>
+          <p:cNvPr id="79" name="TextShape 1"/>
           <p:cNvSpPr txBox="1"/>
           <p:nvPr/>
         </p:nvSpPr>
@@ -6326,16 +6454,33 @@
           <a:bodyPr tIns="91440" bIns="91440" anchor="b"/>
           <a:lstStyle/>
           <a:p>
-            <a:pPr>
+            <a:pPr marL="0" marR="0" lvl="0" indent="0" defTabSz="914400" eaLnBrk="1" fontAlgn="auto" latinLnBrk="0" hangingPunct="1">
               <a:lnSpc>
                 <a:spcPct val="100000"/>
               </a:lnSpc>
+              <a:spcBef>
+                <a:spcPts val="0"/>
+              </a:spcBef>
+              <a:spcAft>
+                <a:spcPts val="0"/>
+              </a:spcAft>
+              <a:buClrTx/>
+              <a:buSzTx/>
+              <a:buFontTx/>
+              <a:buNone/>
+              <a:tabLst/>
+              <a:defRPr/>
             </a:pPr>
             <a:r>
-              <a:rPr lang="pt-BR" sz="3600" b="1" strike="noStrike" spc="-1">
-                <a:solidFill>
-                  <a:srgbClr val="FFFFFF"/>
-                </a:solidFill>
+              <a:rPr kumimoji="0" lang="pt-BR" sz="3600" b="1" i="0" u="none" strike="noStrike" kern="0" cap="none" spc="-1" normalizeH="0" baseline="0" noProof="0" dirty="0">
+                <a:ln>
+                  <a:noFill/>
+                </a:ln>
+                <a:solidFill>
+                  <a:srgbClr val="FFFFFF"/>
+                </a:solidFill>
+                <a:effectLst/>
+                <a:uLnTx/>
                 <a:uFill>
                   <a:solidFill>
                     <a:srgbClr val="FFFFFF"/>
@@ -6345,12 +6490,77 @@
                 <a:ea typeface="Arial"/>
               </a:rPr>
               <a:t>
-Artefato #2: Sprint Backlog</a:t>
+Artefato #1: </a:t>
             </a:r>
-            <a:endParaRPr lang="pt-BR" sz="1400" b="0" strike="noStrike" spc="-1">
-              <a:solidFill>
-                <a:srgbClr val="000000"/>
-              </a:solidFill>
+            <a:r>
+              <a:rPr kumimoji="0" lang="pt-BR" sz="3600" b="1" i="0" u="none" strike="noStrike" kern="0" cap="none" spc="-1" normalizeH="0" baseline="0" noProof="0" dirty="0" err="1">
+                <a:ln>
+                  <a:noFill/>
+                </a:ln>
+                <a:solidFill>
+                  <a:srgbClr val="FFFFFF"/>
+                </a:solidFill>
+                <a:effectLst/>
+                <a:uLnTx/>
+                <a:uFill>
+                  <a:solidFill>
+                    <a:srgbClr val="FFFFFF"/>
+                  </a:solidFill>
+                </a:uFill>
+                <a:latin typeface="Arial"/>
+                <a:ea typeface="Arial"/>
+              </a:rPr>
+              <a:t>Product</a:t>
+            </a:r>
+            <a:r>
+              <a:rPr kumimoji="0" lang="pt-BR" sz="3600" b="1" i="0" u="none" strike="noStrike" kern="0" cap="none" spc="-1" normalizeH="0" baseline="0" noProof="0" dirty="0">
+                <a:ln>
+                  <a:noFill/>
+                </a:ln>
+                <a:solidFill>
+                  <a:srgbClr val="FFFFFF"/>
+                </a:solidFill>
+                <a:effectLst/>
+                <a:uLnTx/>
+                <a:uFill>
+                  <a:solidFill>
+                    <a:srgbClr val="FFFFFF"/>
+                  </a:solidFill>
+                </a:uFill>
+                <a:latin typeface="Arial"/>
+                <a:ea typeface="Arial"/>
+              </a:rPr>
+              <a:t> </a:t>
+            </a:r>
+            <a:r>
+              <a:rPr kumimoji="0" lang="pt-BR" sz="3600" b="1" i="0" u="none" strike="noStrike" kern="0" cap="none" spc="-1" normalizeH="0" baseline="0" noProof="0" dirty="0" err="1">
+                <a:ln>
+                  <a:noFill/>
+                </a:ln>
+                <a:solidFill>
+                  <a:srgbClr val="FFFFFF"/>
+                </a:solidFill>
+                <a:effectLst/>
+                <a:uLnTx/>
+                <a:uFill>
+                  <a:solidFill>
+                    <a:srgbClr val="FFFFFF"/>
+                  </a:solidFill>
+                </a:uFill>
+                <a:latin typeface="Arial"/>
+                <a:ea typeface="Arial"/>
+              </a:rPr>
+              <a:t>Backlog</a:t>
+            </a:r>
+            <a:endParaRPr kumimoji="0" lang="pt-BR" sz="1400" b="0" i="0" u="none" strike="noStrike" kern="0" cap="none" spc="-1" normalizeH="0" baseline="0" noProof="0" dirty="0">
+              <a:ln>
+                <a:noFill/>
+              </a:ln>
+              <a:solidFill>
+                <a:srgbClr val="000000"/>
+              </a:solidFill>
+              <a:effectLst/>
+              <a:uLnTx/>
               <a:uFill>
                 <a:solidFill>
                   <a:srgbClr val="FFFFFF"/>
@@ -6363,7 +6573,7 @@
       </p:sp>
       <p:pic>
         <p:nvPicPr>
-          <p:cNvPr id="82" name="Shape 47"/>
+          <p:cNvPr id="80" name="Shape 41"/>
           <p:cNvPicPr/>
           <p:nvPr/>
         </p:nvPicPr>
@@ -6381,8 +6591,8 @@
         </p:blipFill>
         <p:spPr>
           <a:xfrm>
-            <a:off x="1459332" y="2041560"/>
-            <a:ext cx="6224975" cy="1830240"/>
+            <a:off x="1353466" y="1979238"/>
+            <a:ext cx="6390830" cy="2185465"/>
           </a:xfrm>
           <a:prstGeom prst="rect">
             <a:avLst/>
@@ -6393,6 +6603,11 @@
         </p:spPr>
       </p:pic>
     </p:spTree>
+    <p:extLst>
+      <p:ext uri="{BB962C8B-B14F-4D97-AF65-F5344CB8AC3E}">
+        <p14:creationId xmlns:p14="http://schemas.microsoft.com/office/powerpoint/2010/main" val="330041609"/>
+      </p:ext>
+    </p:extLst>
   </p:cSld>
   <p:clrMapOvr>
     <a:masterClrMapping/>
@@ -6446,7 +6661,7 @@
       </p:grpSpPr>
       <p:sp>
         <p:nvSpPr>
-          <p:cNvPr id="83" name="TextShape 1"/>
+          <p:cNvPr id="81" name="TextShape 1"/>
           <p:cNvSpPr txBox="1"/>
           <p:nvPr/>
         </p:nvSpPr>
@@ -6485,7 +6700,8 @@
                 <a:latin typeface="Arial"/>
                 <a:ea typeface="Arial"/>
               </a:rPr>
-              <a:t>Artefato #3: Gráfico Burndown</a:t>
+              <a:t>
+Artefato #2: Sprint Backlog</a:t>
             </a:r>
             <a:endParaRPr lang="pt-BR" sz="1400" b="0" strike="noStrike" spc="-1">
               <a:solidFill>
@@ -6503,7 +6719,7 @@
       </p:sp>
       <p:pic>
         <p:nvPicPr>
-          <p:cNvPr id="84" name="Shape 53"/>
+          <p:cNvPr id="82" name="Shape 47"/>
           <p:cNvPicPr/>
           <p:nvPr/>
         </p:nvPicPr>
@@ -6521,8 +6737,8 @@
         </p:blipFill>
         <p:spPr>
           <a:xfrm>
-            <a:off x="0" y="2047518"/>
-            <a:ext cx="9143640" cy="2114963"/>
+            <a:off x="1459332" y="2247335"/>
+            <a:ext cx="6224975" cy="1418690"/>
           </a:xfrm>
           <a:prstGeom prst="rect">
             <a:avLst/>
